--- a/CourseProject/CourseProject.pptx
+++ b/CourseProject/CourseProject.pptx
@@ -115,6 +115,11 @@
       </a:defRPr>
     </a:lvl9pPr>
   </p:defaultTextStyle>
+  <p:extLst>
+    <p:ext uri="{EFAFB233-063F-42B5-8137-9DF3F51BA10A}">
+      <p15:sldGuideLst xmlns:p15="http://schemas.microsoft.com/office/powerpoint/2012/main"/>
+    </p:ext>
+  </p:extLst>
 </p:presentation>
 </file>
 
@@ -3502,7 +3507,7 @@
         <p:spPr/>
         <p:txBody>
           <a:bodyPr>
-            <a:normAutofit/>
+            <a:normAutofit fontScale="77500" lnSpcReduction="20000"/>
           </a:bodyPr>
           <a:lstStyle/>
           <a:p>
@@ -3515,6 +3520,27 @@
                 <a:latin typeface="Consolas" panose="020B0609020204030204" pitchFamily="49" charset="0"/>
               </a:rPr>
               <a:t>As the result, it makes sense to use convolutional neural networks as encoders and decoders. However, the convolutional autoencoders generate a very blurred version of the original image.</a:t>
+            </a:r>
+          </a:p>
+          <a:p>
+            <a:pPr marL="0" indent="0">
+              <a:buNone/>
+            </a:pPr>
+            <a:endParaRPr lang="en-US" sz="2400" b="0" dirty="0">
+              <a:effectLst/>
+              <a:latin typeface="Consolas" panose="020B0609020204030204" pitchFamily="49" charset="0"/>
+            </a:endParaRPr>
+          </a:p>
+          <a:p>
+            <a:pPr marL="0" indent="0">
+              <a:buNone/>
+            </a:pPr>
+            <a:r>
+              <a:rPr lang="en-US" sz="2400" b="0" dirty="0">
+                <a:effectLst/>
+                <a:latin typeface="Consolas" panose="020B0609020204030204" pitchFamily="49" charset="0"/>
+              </a:rPr>
+              <a:t>The behavior of encoder and decoder will be lossy. Because the autoencoder learns to convert high-dimensional data (e.g., an image) into lower-dimensional format (i.e., the encoded/latent state), data must be dropped in order to maximize the relationships between image and encoded state. Additionally, going from latent state to output also incurs information loss. By consequence, it's important to understand that encoder and decoder will behave in a lossy way. Lossless use of autoencoders is impossible.</a:t>
             </a:r>
           </a:p>
           <a:p>
@@ -3532,21 +3558,7 @@
                 <a:effectLst/>
                 <a:latin typeface="Consolas" panose="020B0609020204030204" pitchFamily="49" charset="0"/>
               </a:rPr>
-              <a:t>Compared to the Gaussian blurring, the results with convolutional networks are in my opinion better in case of heavy </a:t>
-            </a:r>
-            <a:r>
-              <a:rPr lang="en-US" sz="2400" b="0" dirty="0" err="1">
-                <a:effectLst/>
-                <a:latin typeface="Consolas" panose="020B0609020204030204" pitchFamily="49" charset="0"/>
-              </a:rPr>
-              <a:t>noice</a:t>
-            </a:r>
-            <a:r>
-              <a:rPr lang="en-US" sz="2400" b="0" dirty="0">
-                <a:effectLst/>
-                <a:latin typeface="Consolas" panose="020B0609020204030204" pitchFamily="49" charset="0"/>
-              </a:rPr>
-              <a:t>. </a:t>
+              <a:t>Compared to the Gaussian blurring, the results with convolutional networks are in my opinion better in case of heavy noise. </a:t>
             </a:r>
           </a:p>
           <a:p>
@@ -4273,24 +4285,22 @@
         <p:spPr/>
         <p:txBody>
           <a:bodyPr>
-            <a:normAutofit fontScale="85000" lnSpcReduction="20000"/>
+            <a:normAutofit fontScale="92500" lnSpcReduction="10000"/>
           </a:bodyPr>
           <a:lstStyle/>
           <a:p>
             <a:r>
               <a:rPr lang="en-US" dirty="0"/>
-              <a:t>There is a nice overview of technology described on Microsoft, with already compiled networks: </a:t>
-            </a:r>
-            <a:r>
-              <a:rPr lang="en-US" dirty="0">
-                <a:hlinkClick r:id="rId2"/>
-              </a:rPr>
-              <a:t>https://github.com/microsoft/Bringing-Old-Photos-Back-to-Life</a:t>
-            </a:r>
-            <a:endParaRPr lang="en-US" dirty="0"/>
-          </a:p>
-          <a:p>
-            <a:endParaRPr lang="en-US" dirty="0"/>
+              <a:t>There is a nice overview of technology described on </a:t>
+            </a:r>
+            <a:r>
+              <a:rPr lang="en-US" dirty="0" err="1"/>
+              <a:t>Keras</a:t>
+            </a:r>
+            <a:r>
+              <a:rPr lang="en-US" dirty="0"/>
+              <a:t> https://keras.io/examples/vision/autoencoder/</a:t>
+            </a:r>
           </a:p>
           <a:p>
             <a:r>

--- a/CourseProject/CourseProject.pptx
+++ b/CourseProject/CourseProject.pptx
@@ -7,8 +7,8 @@
   <p:sldIdLst>
     <p:sldId id="256" r:id="rId2"/>
     <p:sldId id="257" r:id="rId3"/>
-    <p:sldId id="259" r:id="rId4"/>
-    <p:sldId id="260" r:id="rId5"/>
+    <p:sldId id="269" r:id="rId4"/>
+    <p:sldId id="259" r:id="rId5"/>
     <p:sldId id="265" r:id="rId6"/>
     <p:sldId id="266" r:id="rId7"/>
     <p:sldId id="267" r:id="rId8"/>
@@ -135,20 +135,6 @@
 </p:cmAuthorLst>
 </file>
 
-<file path=ppt/comments/comment1.xml><?xml version="1.0" encoding="utf-8"?>
-<p:cmLst xmlns:a="http://schemas.openxmlformats.org/drawingml/2006/main" xmlns:r="http://schemas.openxmlformats.org/officeDocument/2006/relationships" xmlns:p="http://schemas.openxmlformats.org/presentationml/2006/main">
-  <p:cm authorId="1" dt="2022-12-12T18:44:48.788" idx="1">
-    <p:pos x="10" y="10"/>
-    <p:text/>
-    <p:extLst>
-      <p:ext uri="{C676402C-5697-4E1C-873F-D02D1690AC5C}">
-        <p15:threadingInfo xmlns:p15="http://schemas.microsoft.com/office/powerpoint/2012/main" timeZoneBias="-120"/>
-      </p:ext>
-    </p:extLst>
-  </p:cm>
-</p:cmLst>
-</file>
-
 <file path=ppt/slideLayouts/slideLayout1.xml><?xml version="1.0" encoding="utf-8"?>
 <p:sldLayout xmlns:a="http://schemas.openxmlformats.org/drawingml/2006/main" xmlns:r="http://schemas.openxmlformats.org/officeDocument/2006/relationships" xmlns:p="http://schemas.openxmlformats.org/presentationml/2006/main" type="title" preserve="1">
   <p:cSld name="Title Slide">
@@ -296,7 +282,7 @@
           <a:p>
             <a:fld id="{72E15CF9-D8E3-4331-99B7-17E2BDB7105D}" type="datetimeFigureOut">
               <a:rPr lang="en-US" smtClean="0"/>
-              <a:t>12/12/2022</a:t>
+              <a:t>12/15/2022</a:t>
             </a:fld>
             <a:endParaRPr lang="en-US"/>
           </a:p>
@@ -494,7 +480,7 @@
           <a:p>
             <a:fld id="{72E15CF9-D8E3-4331-99B7-17E2BDB7105D}" type="datetimeFigureOut">
               <a:rPr lang="en-US" smtClean="0"/>
-              <a:t>12/12/2022</a:t>
+              <a:t>12/15/2022</a:t>
             </a:fld>
             <a:endParaRPr lang="en-US"/>
           </a:p>
@@ -702,7 +688,7 @@
           <a:p>
             <a:fld id="{72E15CF9-D8E3-4331-99B7-17E2BDB7105D}" type="datetimeFigureOut">
               <a:rPr lang="en-US" smtClean="0"/>
-              <a:t>12/12/2022</a:t>
+              <a:t>12/15/2022</a:t>
             </a:fld>
             <a:endParaRPr lang="en-US"/>
           </a:p>
@@ -900,7 +886,7 @@
           <a:p>
             <a:fld id="{72E15CF9-D8E3-4331-99B7-17E2BDB7105D}" type="datetimeFigureOut">
               <a:rPr lang="en-US" smtClean="0"/>
-              <a:t>12/12/2022</a:t>
+              <a:t>12/15/2022</a:t>
             </a:fld>
             <a:endParaRPr lang="en-US"/>
           </a:p>
@@ -1175,7 +1161,7 @@
           <a:p>
             <a:fld id="{72E15CF9-D8E3-4331-99B7-17E2BDB7105D}" type="datetimeFigureOut">
               <a:rPr lang="en-US" smtClean="0"/>
-              <a:t>12/12/2022</a:t>
+              <a:t>12/15/2022</a:t>
             </a:fld>
             <a:endParaRPr lang="en-US"/>
           </a:p>
@@ -1440,7 +1426,7 @@
           <a:p>
             <a:fld id="{72E15CF9-D8E3-4331-99B7-17E2BDB7105D}" type="datetimeFigureOut">
               <a:rPr lang="en-US" smtClean="0"/>
-              <a:t>12/12/2022</a:t>
+              <a:t>12/15/2022</a:t>
             </a:fld>
             <a:endParaRPr lang="en-US"/>
           </a:p>
@@ -1852,7 +1838,7 @@
           <a:p>
             <a:fld id="{72E15CF9-D8E3-4331-99B7-17E2BDB7105D}" type="datetimeFigureOut">
               <a:rPr lang="en-US" smtClean="0"/>
-              <a:t>12/12/2022</a:t>
+              <a:t>12/15/2022</a:t>
             </a:fld>
             <a:endParaRPr lang="en-US"/>
           </a:p>
@@ -1993,7 +1979,7 @@
           <a:p>
             <a:fld id="{72E15CF9-D8E3-4331-99B7-17E2BDB7105D}" type="datetimeFigureOut">
               <a:rPr lang="en-US" smtClean="0"/>
-              <a:t>12/12/2022</a:t>
+              <a:t>12/15/2022</a:t>
             </a:fld>
             <a:endParaRPr lang="en-US"/>
           </a:p>
@@ -2106,7 +2092,7 @@
           <a:p>
             <a:fld id="{72E15CF9-D8E3-4331-99B7-17E2BDB7105D}" type="datetimeFigureOut">
               <a:rPr lang="en-US" smtClean="0"/>
-              <a:t>12/12/2022</a:t>
+              <a:t>12/15/2022</a:t>
             </a:fld>
             <a:endParaRPr lang="en-US"/>
           </a:p>
@@ -2417,7 +2403,7 @@
           <a:p>
             <a:fld id="{72E15CF9-D8E3-4331-99B7-17E2BDB7105D}" type="datetimeFigureOut">
               <a:rPr lang="en-US" smtClean="0"/>
-              <a:t>12/12/2022</a:t>
+              <a:t>12/15/2022</a:t>
             </a:fld>
             <a:endParaRPr lang="en-US"/>
           </a:p>
@@ -2705,7 +2691,7 @@
           <a:p>
             <a:fld id="{72E15CF9-D8E3-4331-99B7-17E2BDB7105D}" type="datetimeFigureOut">
               <a:rPr lang="en-US" smtClean="0"/>
-              <a:t>12/12/2022</a:t>
+              <a:t>12/15/2022</a:t>
             </a:fld>
             <a:endParaRPr lang="en-US"/>
           </a:p>
@@ -2946,7 +2932,7 @@
           <a:p>
             <a:fld id="{72E15CF9-D8E3-4331-99B7-17E2BDB7105D}" type="datetimeFigureOut">
               <a:rPr lang="en-US" smtClean="0"/>
-              <a:t>12/12/2022</a:t>
+              <a:t>12/15/2022</a:t>
             </a:fld>
             <a:endParaRPr lang="en-US"/>
           </a:p>
@@ -3540,7 +3526,28 @@
                 <a:effectLst/>
                 <a:latin typeface="Consolas" panose="020B0609020204030204" pitchFamily="49" charset="0"/>
               </a:rPr>
-              <a:t>The behavior of encoder and decoder will be lossy. Because the autoencoder learns to convert high-dimensional data (e.g., an image) into lower-dimensional format (i.e., the encoded/latent state), data must be dropped in order to maximize the relationships between image and encoded state. Additionally, going from latent state to output also incurs information loss. By consequence, it's important to understand that encoder and decoder will behave in a lossy way. Lossless use of autoencoders is impossible.</a:t>
+              <a:t>The behavior of encoder and decoder is lossy. Because the autoencoder learns to convert high-dimensional data (e.g., an image) into lower-dimensional format (i.e., the encoded/latent state), </a:t>
+            </a:r>
+            <a:r>
+              <a:rPr lang="en-US" sz="2400" b="1" dirty="0">
+                <a:effectLst/>
+                <a:latin typeface="Consolas" panose="020B0609020204030204" pitchFamily="49" charset="0"/>
+              </a:rPr>
+              <a:t>data must be dropped </a:t>
+            </a:r>
+            <a:r>
+              <a:rPr lang="en-US" sz="2400" b="0" dirty="0">
+                <a:effectLst/>
+                <a:latin typeface="Consolas" panose="020B0609020204030204" pitchFamily="49" charset="0"/>
+              </a:rPr>
+              <a:t>in order to maximize the relationships between image and encoded state. Additionally, going from latent state to output also incurs information loss. By consequence, it's important to understand that encoder and decoder will behave in a lossy way. </a:t>
+            </a:r>
+            <a:r>
+              <a:rPr lang="en-US" sz="2400" b="1" dirty="0">
+                <a:effectLst/>
+                <a:latin typeface="Consolas" panose="020B0609020204030204" pitchFamily="49" charset="0"/>
+              </a:rPr>
+              <a:t>Lossless use of autoencoders is impossible.</a:t>
             </a:r>
           </a:p>
           <a:p>
@@ -3576,28 +3583,7 @@
                 <a:effectLst/>
                 <a:latin typeface="Consolas" panose="020B0609020204030204" pitchFamily="49" charset="0"/>
               </a:rPr>
-              <a:t>In case of not much </a:t>
-            </a:r>
-            <a:r>
-              <a:rPr lang="en-US" sz="2400" b="0" dirty="0" err="1">
-                <a:effectLst/>
-                <a:latin typeface="Consolas" panose="020B0609020204030204" pitchFamily="49" charset="0"/>
-              </a:rPr>
-              <a:t>noice</a:t>
-            </a:r>
-            <a:r>
-              <a:rPr lang="en-US" sz="2400" b="0" dirty="0">
-                <a:effectLst/>
-                <a:latin typeface="Consolas" panose="020B0609020204030204" pitchFamily="49" charset="0"/>
-              </a:rPr>
-              <a:t> on the images, it is most likely that using Gaussian </a:t>
-            </a:r>
-            <a:r>
-              <a:rPr lang="en-US" sz="2400" b="0" dirty="0" err="1">
-                <a:effectLst/>
-                <a:latin typeface="Consolas" panose="020B0609020204030204" pitchFamily="49" charset="0"/>
-              </a:rPr>
-              <a:t>bluring</a:t>
+              <a:t>In case of not much noise on the images, it is most likely that using Gaussian blurring</a:t>
             </a:r>
             <a:r>
               <a:rPr lang="en-US" sz="2400" dirty="0">
@@ -3616,7 +3602,7 @@
               <a:rPr lang="en-US" sz="2400" i="0" dirty="0">
                 <a:latin typeface="Consolas" panose="020B0609020204030204" pitchFamily="49" charset="0"/>
               </a:rPr>
-              <a:t> will give better us results.</a:t>
+              <a:t> will give better visual results.</a:t>
             </a:r>
             <a:endParaRPr lang="en-US" sz="2400" b="0" dirty="0">
               <a:effectLst/>
@@ -3716,7 +3702,7 @@
             </a:pPr>
             <a:r>
               <a:rPr lang="en-US" dirty="0"/>
-              <a:t>Because of Google </a:t>
+              <a:t>Working under </a:t>
             </a:r>
             <a:r>
               <a:rPr lang="en-US" dirty="0" err="1"/>
@@ -3724,7 +3710,7 @@
             </a:r>
             <a:r>
               <a:rPr lang="en-US" dirty="0"/>
-              <a:t> memory limitation, I was unable to use full set of faces database, only 2000 images were used.</a:t>
+              <a:t> limitations and local laptop limitations, I used 12000 images from the CELEBA dataset.</a:t>
             </a:r>
           </a:p>
           <a:p>
@@ -3733,7 +3719,15 @@
             </a:pPr>
             <a:r>
               <a:rPr lang="en-US" dirty="0"/>
-              <a:t>We did not get the perfect results, our images are too blurred, I will be </a:t>
+              <a:t>We did not get perfect results, our images are </a:t>
+            </a:r>
+            <a:r>
+              <a:rPr lang="en-US" dirty="0" err="1"/>
+              <a:t>kinda</a:t>
+            </a:r>
+            <a:r>
+              <a:rPr lang="en-US" dirty="0"/>
+              <a:t> blurred, I believe I need to find ways to use more GPU resources for  better results.</a:t>
             </a:r>
           </a:p>
           <a:p>
@@ -3742,15 +3736,7 @@
             </a:pPr>
             <a:r>
               <a:rPr lang="en-US" dirty="0"/>
-              <a:t>Working with different </a:t>
-            </a:r>
-            <a:r>
-              <a:rPr lang="en-US" dirty="0" err="1"/>
-              <a:t>algorythms</a:t>
-            </a:r>
-            <a:r>
-              <a:rPr lang="en-US" dirty="0"/>
-              <a:t> and techniques mentioned below:</a:t>
+              <a:t>Best article on this subject:       https://medium.com/analytics-vidhya/image-denoising-using-deep-learning-dc2b19a3fd54</a:t>
             </a:r>
           </a:p>
           <a:p>
@@ -4187,7 +4173,7 @@
             </a:pPr>
             <a:r>
               <a:rPr lang="en-US" dirty="0"/>
-              <a:t>                Gaussian Blur    </a:t>
+              <a:t>               Gaussian Blur    </a:t>
             </a:r>
           </a:p>
           <a:p>
@@ -4242,7 +4228,7 @@
           <p:cNvPr id="2" name="Title 1">
             <a:extLst>
               <a:ext uri="{FF2B5EF4-FFF2-40B4-BE49-F238E27FC236}">
-                <a16:creationId xmlns:a16="http://schemas.microsoft.com/office/drawing/2014/main" id="{B4DD12C7-2245-9F6F-BCC8-A40B551F5353}"/>
+                <a16:creationId xmlns:a16="http://schemas.microsoft.com/office/drawing/2014/main" id="{780628E1-C382-E4B0-6A45-B1AA988B0347}"/>
               </a:ext>
             </a:extLst>
           </p:cNvPr>
@@ -4260,8 +4246,15 @@
           <a:p>
             <a:r>
               <a:rPr lang="ru-RU" dirty="0" err="1"/>
-              <a:t>Introduction</a:t>
-            </a:r>
+              <a:t>Motivation</a:t>
+            </a:r>
+            <a:r>
+              <a:rPr lang="ru-RU" dirty="0"/>
+              <a:t> </a:t>
+            </a:r>
+            <a:br>
+              <a:rPr lang="en-US" dirty="0"/>
+            </a:br>
             <a:endParaRPr lang="en-US" dirty="0"/>
           </a:p>
         </p:txBody>
@@ -4271,7 +4264,7 @@
           <p:cNvPr id="3" name="Content Placeholder 2">
             <a:extLst>
               <a:ext uri="{FF2B5EF4-FFF2-40B4-BE49-F238E27FC236}">
-                <a16:creationId xmlns:a16="http://schemas.microsoft.com/office/drawing/2014/main" id="{1BF0F85A-78A6-075D-4DA0-921CFB0DE555}"/>
+                <a16:creationId xmlns:a16="http://schemas.microsoft.com/office/drawing/2014/main" id="{CCBC924A-F6CD-E86E-04B0-7BBD3015F35D}"/>
               </a:ext>
             </a:extLst>
           </p:cNvPr>
@@ -4282,38 +4275,183 @@
             <p:ph idx="1"/>
           </p:nvPr>
         </p:nvSpPr>
-        <p:spPr/>
+        <p:spPr>
+          <a:xfrm>
+            <a:off x="838200" y="1455938"/>
+            <a:ext cx="10515600" cy="4721025"/>
+          </a:xfrm>
+        </p:spPr>
         <p:txBody>
           <a:bodyPr>
-            <a:normAutofit fontScale="92500" lnSpcReduction="10000"/>
+            <a:normAutofit fontScale="92500" lnSpcReduction="20000"/>
           </a:bodyPr>
           <a:lstStyle/>
           <a:p>
-            <a:r>
-              <a:rPr lang="en-US" dirty="0"/>
-              <a:t>There is a nice overview of technology described on </a:t>
-            </a:r>
-            <a:r>
-              <a:rPr lang="en-US" dirty="0" err="1"/>
-              <a:t>Keras</a:t>
-            </a:r>
-            <a:r>
-              <a:rPr lang="en-US" dirty="0"/>
-              <a:t> https://keras.io/examples/vision/autoencoder/</a:t>
-            </a:r>
-          </a:p>
-          <a:p>
-            <a:r>
-              <a:rPr lang="en-US" dirty="0"/>
-              <a:t>Industry leaders such as Intel and NVIDIA have sponsored research in machine learning based denoisers, Intel Open Image Denoise and the NVIDIA </a:t>
-            </a:r>
-            <a:r>
-              <a:rPr lang="en-US" dirty="0" err="1"/>
-              <a:t>Optix</a:t>
-            </a:r>
-            <a:r>
-              <a:rPr lang="en-US" dirty="0"/>
-              <a:t> Autoencoder both use a denoising autoencoder to denoise images to great success.</a:t>
+            <a:pPr marL="0" indent="0">
+              <a:buNone/>
+            </a:pPr>
+            <a:r>
+              <a:rPr lang="en-US" b="0" i="0" dirty="0">
+                <a:solidFill>
+                  <a:srgbClr val="292929"/>
+                </a:solidFill>
+                <a:effectLst/>
+                <a:latin typeface="source-serif-pro"/>
+              </a:rPr>
+              <a:t>With the advancement of Deep Learning techniques, it is now possible to remove real noise from images such that the denoised image will be very similar to the ground truth image with minimal loss of detail.</a:t>
+            </a:r>
+          </a:p>
+          <a:p>
+            <a:pPr marL="0" indent="0">
+              <a:buNone/>
+            </a:pPr>
+            <a:endParaRPr lang="en-US" b="0" i="0" dirty="0">
+              <a:solidFill>
+                <a:srgbClr val="292929"/>
+              </a:solidFill>
+              <a:effectLst/>
+              <a:latin typeface="source-serif-pro"/>
+            </a:endParaRPr>
+          </a:p>
+          <a:p>
+            <a:pPr marL="0" indent="0" algn="l">
+              <a:buNone/>
+            </a:pPr>
+            <a:r>
+              <a:rPr lang="en-US" b="0" i="0" dirty="0">
+                <a:solidFill>
+                  <a:srgbClr val="292929"/>
+                </a:solidFill>
+                <a:effectLst/>
+                <a:latin typeface="source-serif-pro"/>
+              </a:rPr>
+              <a:t>Over the recent years, many deep learning architectures have been developed for image denoising tasks. Among them, I’ll be implementing </a:t>
+            </a:r>
+            <a:r>
+              <a:rPr lang="en-US" b="1" i="0" dirty="0">
+                <a:solidFill>
+                  <a:srgbClr val="292929"/>
+                </a:solidFill>
+                <a:effectLst/>
+                <a:latin typeface="source-serif-pro"/>
+              </a:rPr>
+              <a:t>Autoencoders </a:t>
+            </a:r>
+            <a:r>
+              <a:rPr lang="en-US" b="0" i="0" dirty="0">
+                <a:solidFill>
+                  <a:srgbClr val="292929"/>
+                </a:solidFill>
+                <a:effectLst/>
+                <a:latin typeface="source-serif-pro"/>
+              </a:rPr>
+              <a:t>deep learning architecture to solve this problem.</a:t>
+            </a:r>
+          </a:p>
+          <a:p>
+            <a:pPr marL="0" indent="0" algn="l">
+              <a:buNone/>
+            </a:pPr>
+            <a:endParaRPr lang="en-US" b="0" i="0" dirty="0">
+              <a:solidFill>
+                <a:srgbClr val="292929"/>
+              </a:solidFill>
+              <a:effectLst/>
+              <a:latin typeface="source-serif-pro"/>
+            </a:endParaRPr>
+          </a:p>
+          <a:p>
+            <a:pPr algn="l">
+              <a:buFont typeface="+mj-lt"/>
+              <a:buAutoNum type="arabicPeriod"/>
+            </a:pPr>
+            <a:r>
+              <a:rPr lang="en-US" b="1" i="0" dirty="0">
+                <a:solidFill>
+                  <a:srgbClr val="292929"/>
+                </a:solidFill>
+                <a:effectLst/>
+                <a:latin typeface="source-serif-pro"/>
+              </a:rPr>
+              <a:t>Autoencoders (Baseline Model)</a:t>
+            </a:r>
+          </a:p>
+          <a:p>
+            <a:pPr algn="l">
+              <a:buFont typeface="+mj-lt"/>
+              <a:buAutoNum type="arabicPeriod"/>
+            </a:pPr>
+            <a:r>
+              <a:rPr lang="en-US" b="0" i="0" dirty="0" err="1">
+                <a:solidFill>
+                  <a:srgbClr val="292929"/>
+                </a:solidFill>
+                <a:effectLst/>
+                <a:latin typeface="source-serif-pro"/>
+              </a:rPr>
+              <a:t>CBDNet</a:t>
+            </a:r>
+            <a:r>
+              <a:rPr lang="en-US" b="0" i="0" dirty="0">
+                <a:solidFill>
+                  <a:srgbClr val="292929"/>
+                </a:solidFill>
+                <a:effectLst/>
+                <a:latin typeface="source-serif-pro"/>
+              </a:rPr>
+              <a:t>  (will work on this later, stay tuned )</a:t>
+            </a:r>
+          </a:p>
+          <a:p>
+            <a:pPr algn="l">
+              <a:buFont typeface="+mj-lt"/>
+              <a:buAutoNum type="arabicPeriod"/>
+            </a:pPr>
+            <a:r>
+              <a:rPr lang="en-US" b="0" i="0" dirty="0" err="1">
+                <a:solidFill>
+                  <a:srgbClr val="292929"/>
+                </a:solidFill>
+                <a:effectLst/>
+                <a:latin typeface="source-serif-pro"/>
+              </a:rPr>
+              <a:t>PRIDNet</a:t>
+            </a:r>
+            <a:r>
+              <a:rPr lang="en-US" b="0" i="0" dirty="0">
+                <a:solidFill>
+                  <a:srgbClr val="292929"/>
+                </a:solidFill>
+                <a:effectLst/>
+                <a:latin typeface="source-serif-pro"/>
+              </a:rPr>
+              <a:t> (will work on this later, stay tuned )</a:t>
+            </a:r>
+          </a:p>
+          <a:p>
+            <a:pPr algn="l">
+              <a:buFont typeface="+mj-lt"/>
+              <a:buAutoNum type="arabicPeriod"/>
+            </a:pPr>
+            <a:r>
+              <a:rPr lang="en-US" b="0" i="0" dirty="0" err="1">
+                <a:solidFill>
+                  <a:srgbClr val="292929"/>
+                </a:solidFill>
+                <a:effectLst/>
+                <a:latin typeface="source-serif-pro"/>
+              </a:rPr>
+              <a:t>RIDNet</a:t>
+            </a:r>
+            <a:r>
+              <a:rPr lang="en-US" b="0" i="0" dirty="0">
+                <a:solidFill>
+                  <a:srgbClr val="292929"/>
+                </a:solidFill>
+                <a:effectLst/>
+                <a:latin typeface="source-serif-pro"/>
+              </a:rPr>
+              <a:t> (will work on this later, stay tuned )  - as per my research this      architecture will provide the best result</a:t>
             </a:r>
           </a:p>
           <a:p>
@@ -4321,35 +4459,13 @@
               <a:buNone/>
             </a:pPr>
             <a:endParaRPr lang="en-US" dirty="0"/>
-          </a:p>
-          <a:p>
-            <a:r>
-              <a:rPr lang="en-US" dirty="0"/>
-              <a:t>There's been research in the area of algorithmic techniques to denoise images in real time using spherical harmonics to encode low frequency data, guided filters to blur while avoiding sharp changes in </a:t>
-            </a:r>
-            <a:r>
-              <a:rPr lang="en-US" dirty="0" err="1"/>
-              <a:t>normals</a:t>
-            </a:r>
-            <a:r>
-              <a:rPr lang="en-US" dirty="0"/>
-              <a:t> or albedo information, and </a:t>
-            </a:r>
-            <a:r>
-              <a:rPr lang="en-US" dirty="0" err="1"/>
-              <a:t>spatio</a:t>
-            </a:r>
-            <a:r>
-              <a:rPr lang="en-US" dirty="0"/>
-              <a:t>-temporal reprojection to reuse data that isn't view dependent such as global illumination or shadows.</a:t>
-            </a:r>
           </a:p>
         </p:txBody>
       </p:sp>
     </p:spTree>
     <p:extLst>
       <p:ext uri="{BB962C8B-B14F-4D97-AF65-F5344CB8AC3E}">
-        <p14:creationId xmlns:p14="http://schemas.microsoft.com/office/powerpoint/2010/main" val="3614312969"/>
+        <p14:creationId xmlns:p14="http://schemas.microsoft.com/office/powerpoint/2010/main" val="743976048"/>
       </p:ext>
     </p:extLst>
   </p:cSld>
@@ -4381,7 +4497,7 @@
           <p:cNvPr id="2" name="Title 1">
             <a:extLst>
               <a:ext uri="{FF2B5EF4-FFF2-40B4-BE49-F238E27FC236}">
-                <a16:creationId xmlns:a16="http://schemas.microsoft.com/office/drawing/2014/main" id="{DD4738A8-C000-FFE9-8121-6A89ED725608}"/>
+                <a16:creationId xmlns:a16="http://schemas.microsoft.com/office/drawing/2014/main" id="{B4DD12C7-2245-9F6F-BCC8-A40B551F5353}"/>
               </a:ext>
             </a:extLst>
           </p:cNvPr>
@@ -4398,44 +4514,84 @@
           <a:lstStyle/>
           <a:p>
             <a:r>
+              <a:rPr lang="ru-RU" dirty="0" err="1"/>
+              <a:t>Introduction</a:t>
+            </a:r>
+            <a:endParaRPr lang="en-US" dirty="0"/>
+          </a:p>
+        </p:txBody>
+      </p:sp>
+      <p:sp>
+        <p:nvSpPr>
+          <p:cNvPr id="3" name="Content Placeholder 2">
+            <a:extLst>
+              <a:ext uri="{FF2B5EF4-FFF2-40B4-BE49-F238E27FC236}">
+                <a16:creationId xmlns:a16="http://schemas.microsoft.com/office/drawing/2014/main" id="{1BF0F85A-78A6-075D-4DA0-921CFB0DE555}"/>
+              </a:ext>
+            </a:extLst>
+          </p:cNvPr>
+          <p:cNvSpPr>
+            <a:spLocks noGrp="1"/>
+          </p:cNvSpPr>
+          <p:nvPr>
+            <p:ph idx="1"/>
+          </p:nvPr>
+        </p:nvSpPr>
+        <p:spPr/>
+        <p:txBody>
+          <a:bodyPr>
+            <a:normAutofit/>
+          </a:bodyPr>
+          <a:lstStyle/>
+          <a:p>
+            <a:r>
               <a:rPr lang="en-US" dirty="0"/>
-              <a:t>Introduction</a:t>
-            </a:r>
-          </a:p>
-        </p:txBody>
-      </p:sp>
-      <p:sp>
-        <p:nvSpPr>
-          <p:cNvPr id="3" name="Content Placeholder 2">
-            <a:extLst>
-              <a:ext uri="{FF2B5EF4-FFF2-40B4-BE49-F238E27FC236}">
-                <a16:creationId xmlns:a16="http://schemas.microsoft.com/office/drawing/2014/main" id="{F556C056-FFBA-365B-4578-D22A4C988630}"/>
-              </a:ext>
-            </a:extLst>
-          </p:cNvPr>
-          <p:cNvSpPr>
-            <a:spLocks noGrp="1"/>
-          </p:cNvSpPr>
-          <p:nvPr>
-            <p:ph idx="1"/>
-          </p:nvPr>
-        </p:nvSpPr>
-        <p:spPr/>
-        <p:txBody>
-          <a:bodyPr/>
-          <a:lstStyle/>
-          <a:p>
+              <a:t>There is a nice overview of technology described on </a:t>
+            </a:r>
+            <a:r>
+              <a:rPr lang="en-US" dirty="0" err="1"/>
+              <a:t>Keras</a:t>
+            </a:r>
             <a:r>
               <a:rPr lang="en-US" dirty="0"/>
-              <a:t>There are ways of combining these two methods, using </a:t>
+              <a:t> https://keras.io/examples/vision/autoencoder/</a:t>
+            </a:r>
+          </a:p>
+          <a:p>
+            <a:r>
+              <a:rPr lang="en-US" dirty="0"/>
+              <a:t>Industry leaders such as Intel and NVIDIA have sponsored research in machine learning based denoisers, Intel Open Image Denoise and the NVIDIA </a:t>
             </a:r>
             <a:r>
               <a:rPr lang="en-US" dirty="0" err="1"/>
-              <a:t>spatio</a:t>
+              <a:t>Optix</a:t>
             </a:r>
             <a:r>
               <a:rPr lang="en-US" dirty="0"/>
-              <a:t>-temporal methods to feed a sample map estimator network to help dictate how many rays a renderer should dispatch. This helps solve the issue of denoising salt/peppering highlights/shadows in real time.</a:t>
+              <a:t> Autoencoder both use a denoising autoencoder to denoise images to great success.</a:t>
+            </a:r>
+          </a:p>
+          <a:p>
+            <a:pPr marL="0" indent="0">
+              <a:buNone/>
+            </a:pPr>
+            <a:endParaRPr lang="en-US" dirty="0"/>
+          </a:p>
+          <a:p>
+            <a:pPr marL="0" indent="0">
+              <a:buNone/>
+            </a:pPr>
+            <a:r>
+              <a:rPr lang="en-US" dirty="0"/>
+              <a:t>We will be working on the </a:t>
+            </a:r>
+            <a:r>
+              <a:rPr lang="en-US" b="1" dirty="0"/>
+              <a:t>CELEBA</a:t>
+            </a:r>
+            <a:r>
+              <a:rPr lang="en-US" dirty="0"/>
+              <a:t> dataset (~220K images). As my resources for calculation are limited at the moment, I will start with a portion of this dataset and increase it to get the satisfactory result.</a:t>
             </a:r>
           </a:p>
         </p:txBody>
@@ -4443,7 +4599,7 @@
     </p:spTree>
     <p:extLst>
       <p:ext uri="{BB962C8B-B14F-4D97-AF65-F5344CB8AC3E}">
-        <p14:creationId xmlns:p14="http://schemas.microsoft.com/office/powerpoint/2010/main" val="3508344510"/>
+        <p14:creationId xmlns:p14="http://schemas.microsoft.com/office/powerpoint/2010/main" val="3614312969"/>
       </p:ext>
     </p:extLst>
   </p:cSld>
@@ -5527,36 +5683,6 @@
           </a:p>
         </p:txBody>
       </p:sp>
-      <p:pic>
-        <p:nvPicPr>
-          <p:cNvPr id="5" name="Picture 4">
-            <a:extLst>
-              <a:ext uri="{FF2B5EF4-FFF2-40B4-BE49-F238E27FC236}">
-                <a16:creationId xmlns:a16="http://schemas.microsoft.com/office/drawing/2014/main" id="{794BD2B9-F8AA-4E28-F920-6259BD45BF59}"/>
-              </a:ext>
-            </a:extLst>
-          </p:cNvPr>
-          <p:cNvPicPr>
-            <a:picLocks noChangeAspect="1"/>
-          </p:cNvPicPr>
-          <p:nvPr/>
-        </p:nvPicPr>
-        <p:blipFill>
-          <a:blip r:embed="rId2"/>
-          <a:stretch>
-            <a:fillRect/>
-          </a:stretch>
-        </p:blipFill>
-        <p:spPr>
-          <a:xfrm>
-            <a:off x="1686757" y="949912"/>
-            <a:ext cx="6971576" cy="5610686"/>
-          </a:xfrm>
-          <a:prstGeom prst="rect">
-            <a:avLst/>
-          </a:prstGeom>
-        </p:spPr>
-      </p:pic>
       <p:sp>
         <p:nvSpPr>
           <p:cNvPr id="6" name="Content Placeholder 2">
@@ -5831,7 +5957,7 @@
                 </a:solidFill>
                 <a:latin typeface="source-serif-pro"/>
               </a:rPr>
-              <a:t>Original</a:t>
+              <a:t>GT</a:t>
             </a:r>
           </a:p>
           <a:p>
@@ -5861,29 +5987,23 @@
               <a:buNone/>
             </a:pPr>
             <a:r>
+              <a:rPr lang="en-US" b="1" dirty="0" err="1">
+                <a:solidFill>
+                  <a:srgbClr val="292929"/>
+                </a:solidFill>
+                <a:latin typeface="source-serif-pro"/>
+              </a:rPr>
+              <a:t>Blured</a:t>
+            </a:r>
+            <a:r>
               <a:rPr lang="en-US" b="1" dirty="0">
                 <a:solidFill>
                   <a:srgbClr val="292929"/>
                 </a:solidFill>
                 <a:latin typeface="source-serif-pro"/>
               </a:rPr>
-              <a:t>Compared to </a:t>
-            </a:r>
-            <a:r>
-              <a:rPr lang="en-US" b="1" dirty="0" err="1">
-                <a:solidFill>
-                  <a:srgbClr val="292929"/>
-                </a:solidFill>
-                <a:latin typeface="source-serif-pro"/>
-              </a:rPr>
-              <a:t>blured</a:t>
-            </a:r>
-            <a:endParaRPr lang="en-US" b="1" dirty="0">
-              <a:solidFill>
-                <a:srgbClr val="292929"/>
-              </a:solidFill>
-              <a:latin typeface="source-serif-pro"/>
-            </a:endParaRPr>
+              <a:t> (Gaussian)</a:t>
+            </a:r>
           </a:p>
           <a:p>
             <a:pPr marL="0" indent="0">
@@ -5901,6 +6021,42 @@
           </a:p>
         </p:txBody>
       </p:sp>
+      <p:pic>
+        <p:nvPicPr>
+          <p:cNvPr id="8" name="Picture 7">
+            <a:extLst>
+              <a:ext uri="{FF2B5EF4-FFF2-40B4-BE49-F238E27FC236}">
+                <a16:creationId xmlns:a16="http://schemas.microsoft.com/office/drawing/2014/main" id="{D409ACC3-D064-C569-A3B4-60C2A883617D}"/>
+              </a:ext>
+            </a:extLst>
+          </p:cNvPr>
+          <p:cNvPicPr>
+            <a:picLocks noChangeAspect="1"/>
+          </p:cNvPicPr>
+          <p:nvPr/>
+        </p:nvPicPr>
+        <p:blipFill>
+          <a:blip r:embed="rId2">
+            <a:extLst>
+              <a:ext uri="{28A0092B-C50C-407E-A947-70E740481C1C}">
+                <a14:useLocalDpi xmlns:a14="http://schemas.microsoft.com/office/drawing/2010/main" val="0"/>
+              </a:ext>
+            </a:extLst>
+          </a:blip>
+          <a:stretch>
+            <a:fillRect/>
+          </a:stretch>
+        </p:blipFill>
+        <p:spPr>
+          <a:xfrm>
+            <a:off x="1864310" y="1184269"/>
+            <a:ext cx="5817245" cy="5209078"/>
+          </a:xfrm>
+          <a:prstGeom prst="rect">
+            <a:avLst/>
+          </a:prstGeom>
+        </p:spPr>
+      </p:pic>
     </p:spTree>
     <p:extLst>
       <p:ext uri="{BB962C8B-B14F-4D97-AF65-F5344CB8AC3E}">

--- a/CourseProject/CourseProject.pptx
+++ b/CourseProject/CourseProject.pptx
@@ -4373,7 +4373,7 @@
                 <a:effectLst/>
                 <a:latin typeface="source-serif-pro"/>
               </a:rPr>
-              <a:t>Autoencoders (Baseline Model)</a:t>
+              <a:t>Autoencoders</a:t>
             </a:r>
           </a:p>
           <a:p>
@@ -5699,8 +5699,8 @@
         </p:nvSpPr>
         <p:spPr>
           <a:xfrm>
-            <a:off x="8948690" y="1447059"/>
-            <a:ext cx="2530137" cy="4847209"/>
+            <a:off x="8566952" y="1447059"/>
+            <a:ext cx="2911876" cy="4847209"/>
           </a:xfrm>
           <a:prstGeom prst="rect">
             <a:avLst/>
@@ -5708,7 +5708,7 @@
         </p:spPr>
         <p:txBody>
           <a:bodyPr>
-            <a:normAutofit fontScale="92500" lnSpcReduction="10000"/>
+            <a:normAutofit fontScale="92500" lnSpcReduction="20000"/>
           </a:bodyPr>
           <a:lstStyle>
             <a:lvl1pPr marL="228600" indent="-228600" algn="l" defTabSz="914400" rtl="0" eaLnBrk="1" latinLnBrk="0" hangingPunct="1">
@@ -5892,12 +5892,15 @@
             <a:pPr marL="0" indent="0">
               <a:buNone/>
             </a:pPr>
-            <a:endParaRPr lang="en-US" b="1" dirty="0">
-              <a:solidFill>
-                <a:srgbClr val="292929"/>
-              </a:solidFill>
-              <a:latin typeface="source-serif-pro"/>
-            </a:endParaRPr>
+            <a:r>
+              <a:rPr lang="en-US" sz="1900" b="1" dirty="0">
+                <a:solidFill>
+                  <a:srgbClr val="292929"/>
+                </a:solidFill>
+                <a:latin typeface="source-serif-pro"/>
+              </a:rPr>
+              <a:t>PSNR: 12.66</a:t>
+            </a:r>
           </a:p>
           <a:p>
             <a:pPr marL="0" indent="0">
@@ -5928,12 +5931,15 @@
             <a:pPr marL="0" indent="0">
               <a:buNone/>
             </a:pPr>
-            <a:endParaRPr lang="en-US" b="1" dirty="0">
-              <a:solidFill>
-                <a:srgbClr val="292929"/>
-              </a:solidFill>
-              <a:latin typeface="source-serif-pro"/>
-            </a:endParaRPr>
+            <a:r>
+              <a:rPr lang="en-US" sz="1900" b="1" dirty="0">
+                <a:solidFill>
+                  <a:srgbClr val="0070C0"/>
+                </a:solidFill>
+                <a:latin typeface="source-serif-pro"/>
+              </a:rPr>
+              <a:t>PSNR: 24.31</a:t>
+            </a:r>
           </a:p>
           <a:p>
             <a:pPr marL="0" indent="0">
@@ -5950,6 +5956,17 @@
             <a:pPr marL="0" indent="0">
               <a:buNone/>
             </a:pPr>
+            <a:endParaRPr lang="en-US" b="1" dirty="0">
+              <a:solidFill>
+                <a:srgbClr val="292929"/>
+              </a:solidFill>
+              <a:latin typeface="source-serif-pro"/>
+            </a:endParaRPr>
+          </a:p>
+          <a:p>
+            <a:pPr marL="0" indent="0">
+              <a:buNone/>
+            </a:pPr>
             <a:r>
               <a:rPr lang="en-US" b="1" dirty="0">
                 <a:solidFill>
@@ -6002,7 +6019,21 @@
                 </a:solidFill>
                 <a:latin typeface="source-serif-pro"/>
               </a:rPr>
-              <a:t> (Gaussian)</a:t>
+              <a:t>(Gaussian)</a:t>
+            </a:r>
+          </a:p>
+          <a:p>
+            <a:pPr marL="0" indent="0">
+              <a:buNone/>
+            </a:pPr>
+            <a:r>
+              <a:rPr lang="en-US" sz="1900" b="1" dirty="0">
+                <a:solidFill>
+                  <a:srgbClr val="292929"/>
+                </a:solidFill>
+                <a:latin typeface="source-serif-pro"/>
+              </a:rPr>
+              <a:t>PSNR 21.43</a:t>
             </a:r>
           </a:p>
           <a:p>
